--- a/卒業研究企画書.pptx
+++ b/卒業研究企画書.pptx
@@ -18,21 +18,22 @@
     <p:sldId id="263" r:id="rId13"/>
     <p:sldId id="264" r:id="rId14"/>
     <p:sldId id="265" r:id="rId15"/>
+    <p:sldId id="266" r:id="rId16"/>
   </p:sldIdLst>
   <p:sldSz cy="5143500" cx="9144000"/>
   <p:notesSz cx="6858000" cy="9144000"/>
   <p:embeddedFontLst>
     <p:embeddedFont>
       <p:font typeface="PT Sans Narrow"/>
-      <p:regular r:id="rId16"/>
-      <p:bold r:id="rId17"/>
+      <p:regular r:id="rId17"/>
+      <p:bold r:id="rId18"/>
     </p:embeddedFont>
     <p:embeddedFont>
       <p:font typeface="Open Sans"/>
-      <p:regular r:id="rId18"/>
-      <p:bold r:id="rId19"/>
-      <p:italic r:id="rId20"/>
-      <p:boldItalic r:id="rId21"/>
+      <p:regular r:id="rId19"/>
+      <p:bold r:id="rId20"/>
+      <p:italic r:id="rId21"/>
+      <p:boldItalic r:id="rId22"/>
     </p:embeddedFont>
   </p:embeddedFontLst>
   <p:defaultTextStyle>
@@ -813,7 +814,7 @@
   <p:cSld>
     <p:spTree>
       <p:nvGrpSpPr>
-        <p:cNvPr id="129" name="Shape 129"/>
+        <p:cNvPr id="128" name="Shape 128"/>
         <p:cNvGrpSpPr/>
         <p:nvPr/>
       </p:nvGrpSpPr>
@@ -827,7 +828,7 @@
       </p:grpSpPr>
       <p:sp>
         <p:nvSpPr>
-          <p:cNvPr id="130" name="Google Shape;130;gd6ca755f7b_0_39:notes"/>
+          <p:cNvPr id="129" name="Google Shape;129;gd82a26a49d_1_306:notes"/>
           <p:cNvSpPr/>
           <p:nvPr>
             <p:ph idx="2" type="sldImg"/>
@@ -862,7 +863,123 @@
       </p:sp>
       <p:sp>
         <p:nvSpPr>
-          <p:cNvPr id="131" name="Google Shape;131;gd6ca755f7b_0_39:notes"/>
+          <p:cNvPr id="130" name="Google Shape;130;gd82a26a49d_1_306:notes"/>
+          <p:cNvSpPr txBox="1"/>
+          <p:nvPr>
+            <p:ph idx="1" type="body"/>
+          </p:nvPr>
+        </p:nvSpPr>
+        <p:spPr>
+          <a:xfrm>
+            <a:off x="685800" y="4343400"/>
+            <a:ext cx="5486400" cy="4114800"/>
+          </a:xfrm>
+          <a:prstGeom prst="rect">
+            <a:avLst/>
+          </a:prstGeom>
+        </p:spPr>
+        <p:txBody>
+          <a:bodyPr anchorCtr="0" anchor="t" bIns="91425" lIns="91425" spcFirstLastPara="1" rIns="91425" wrap="square" tIns="91425">
+            <a:noAutofit/>
+          </a:bodyPr>
+          <a:lstStyle/>
+          <a:p>
+            <a:pPr indent="0" lvl="0" marL="0" rtl="0" algn="l">
+              <a:spcBef>
+                <a:spcPts val="0"/>
+              </a:spcBef>
+              <a:spcAft>
+                <a:spcPts val="0"/>
+              </a:spcAft>
+              <a:buNone/>
+            </a:pPr>
+            <a:r>
+              <a:rPr lang="ja"/>
+              <a:t>質問の先読みコーナー</a:t>
+            </a:r>
+            <a:endParaRPr/>
+          </a:p>
+          <a:p>
+            <a:pPr indent="0" lvl="0" marL="0" rtl="0" algn="l">
+              <a:spcBef>
+                <a:spcPts val="0"/>
+              </a:spcBef>
+              <a:spcAft>
+                <a:spcPts val="0"/>
+              </a:spcAft>
+              <a:buNone/>
+            </a:pPr>
+            <a:r>
+              <a:rPr lang="ja"/>
+              <a:t>後日全員で検討</a:t>
+            </a:r>
+            <a:endParaRPr/>
+          </a:p>
+        </p:txBody>
+      </p:sp>
+    </p:spTree>
+  </p:cSld>
+  <p:clrMapOvr>
+    <a:masterClrMapping/>
+  </p:clrMapOvr>
+</p:notes>
+</file>
+
+<file path=ppt/notesSlides/notesSlide11.xml><?xml version="1.0" encoding="utf-8"?>
+<p:notes xmlns:a="http://schemas.openxmlformats.org/drawingml/2006/main" xmlns:r="http://schemas.openxmlformats.org/officeDocument/2006/relationships" xmlns:mc="http://schemas.openxmlformats.org/markup-compatibility/2006" xmlns:mv="urn:schemas-microsoft-com:mac:vml" xmlns:p="http://schemas.openxmlformats.org/presentationml/2006/main" xmlns:c="http://schemas.openxmlformats.org/drawingml/2006/chart" xmlns:dgm="http://schemas.openxmlformats.org/drawingml/2006/diagram" xmlns:o="urn:schemas-microsoft-com:office:office" xmlns:v="urn:schemas-microsoft-com:vml" xmlns:pvml="urn:schemas-microsoft-com:office:powerpoint" xmlns:com="http://schemas.openxmlformats.org/drawingml/2006/compatibility" xmlns:p14="http://schemas.microsoft.com/office/powerpoint/2010/main" xmlns:p15="http://schemas.microsoft.com/office/powerpoint/2012/main" xmlns:ahyp="http://schemas.microsoft.com/office/drawing/2018/hyperlinkcolor" showMasterPhAnim="0" showMasterSp="0">
+  <p:cSld>
+    <p:spTree>
+      <p:nvGrpSpPr>
+        <p:cNvPr id="134" name="Shape 134"/>
+        <p:cNvGrpSpPr/>
+        <p:nvPr/>
+      </p:nvGrpSpPr>
+      <p:grpSpPr>
+        <a:xfrm>
+          <a:off x="0" y="0"/>
+          <a:ext cx="0" cy="0"/>
+          <a:chOff x="0" y="0"/>
+          <a:chExt cx="0" cy="0"/>
+        </a:xfrm>
+      </p:grpSpPr>
+      <p:sp>
+        <p:nvSpPr>
+          <p:cNvPr id="135" name="Google Shape;135;gd6ca755f7b_0_39:notes"/>
+          <p:cNvSpPr/>
+          <p:nvPr>
+            <p:ph idx="2" type="sldImg"/>
+          </p:nvPr>
+        </p:nvSpPr>
+        <p:spPr>
+          <a:xfrm>
+            <a:off x="381300" y="685800"/>
+            <a:ext cx="6096000" cy="3429000"/>
+          </a:xfrm>
+          <a:custGeom>
+            <a:rect b="b" l="l" r="r" t="t"/>
+            <a:pathLst>
+              <a:path extrusionOk="0" h="120000" w="120000">
+                <a:moveTo>
+                  <a:pt x="0" y="0"/>
+                </a:moveTo>
+                <a:lnTo>
+                  <a:pt x="120000" y="0"/>
+                </a:lnTo>
+                <a:lnTo>
+                  <a:pt x="120000" y="120000"/>
+                </a:lnTo>
+                <a:lnTo>
+                  <a:pt x="0" y="120000"/>
+                </a:lnTo>
+                <a:close/>
+              </a:path>
+            </a:pathLst>
+          </a:custGeom>
+        </p:spPr>
+      </p:sp>
+      <p:sp>
+        <p:nvSpPr>
+          <p:cNvPr id="136" name="Google Shape;136;gd6ca755f7b_0_39:notes"/>
           <p:cNvSpPr txBox="1"/>
           <p:nvPr>
             <p:ph idx="1" type="body"/>
@@ -1210,7 +1327,7 @@
   <p:cSld>
     <p:spTree>
       <p:nvGrpSpPr>
-        <p:cNvPr id="89" name="Shape 89"/>
+        <p:cNvPr id="88" name="Shape 88"/>
         <p:cNvGrpSpPr/>
         <p:nvPr/>
       </p:nvGrpSpPr>
@@ -1224,7 +1341,7 @@
       </p:grpSpPr>
       <p:sp>
         <p:nvSpPr>
-          <p:cNvPr id="90" name="Google Shape;90;gd6ca755f7b_0_8:notes"/>
+          <p:cNvPr id="89" name="Google Shape;89;gd6ca755f7b_0_8:notes"/>
           <p:cNvSpPr/>
           <p:nvPr>
             <p:ph idx="2" type="sldImg"/>
@@ -1259,7 +1376,7 @@
       </p:sp>
       <p:sp>
         <p:nvSpPr>
-          <p:cNvPr id="91" name="Google Shape;91;gd6ca755f7b_0_8:notes"/>
+          <p:cNvPr id="90" name="Google Shape;90;gd6ca755f7b_0_8:notes"/>
           <p:cNvSpPr txBox="1"/>
           <p:nvPr>
             <p:ph idx="1" type="body"/>
@@ -1309,7 +1426,7 @@
   <p:cSld>
     <p:spTree>
       <p:nvGrpSpPr>
-        <p:cNvPr id="95" name="Shape 95"/>
+        <p:cNvPr id="94" name="Shape 94"/>
         <p:cNvGrpSpPr/>
         <p:nvPr/>
       </p:nvGrpSpPr>
@@ -1323,7 +1440,7 @@
       </p:grpSpPr>
       <p:sp>
         <p:nvSpPr>
-          <p:cNvPr id="96" name="Google Shape;96;gd6ca755f7b_0_24:notes"/>
+          <p:cNvPr id="95" name="Google Shape;95;gd6ca755f7b_0_24:notes"/>
           <p:cNvSpPr/>
           <p:nvPr>
             <p:ph idx="2" type="sldImg"/>
@@ -1358,7 +1475,7 @@
       </p:sp>
       <p:sp>
         <p:nvSpPr>
-          <p:cNvPr id="97" name="Google Shape;97;gd6ca755f7b_0_24:notes"/>
+          <p:cNvPr id="96" name="Google Shape;96;gd6ca755f7b_0_24:notes"/>
           <p:cNvSpPr txBox="1"/>
           <p:nvPr>
             <p:ph idx="1" type="body"/>
@@ -1408,7 +1525,7 @@
   <p:cSld>
     <p:spTree>
       <p:nvGrpSpPr>
-        <p:cNvPr id="101" name="Shape 101"/>
+        <p:cNvPr id="100" name="Shape 100"/>
         <p:cNvGrpSpPr/>
         <p:nvPr/>
       </p:nvGrpSpPr>
@@ -1422,7 +1539,7 @@
       </p:grpSpPr>
       <p:sp>
         <p:nvSpPr>
-          <p:cNvPr id="102" name="Google Shape;102;gd6ca755f7b_0_29:notes"/>
+          <p:cNvPr id="101" name="Google Shape;101;gd6ca755f7b_0_29:notes"/>
           <p:cNvSpPr/>
           <p:nvPr>
             <p:ph idx="2" type="sldImg"/>
@@ -1457,7 +1574,7 @@
       </p:sp>
       <p:sp>
         <p:nvSpPr>
-          <p:cNvPr id="103" name="Google Shape;103;gd6ca755f7b_0_29:notes"/>
+          <p:cNvPr id="102" name="Google Shape;102;gd6ca755f7b_0_29:notes"/>
           <p:cNvSpPr txBox="1"/>
           <p:nvPr>
             <p:ph idx="1" type="body"/>
@@ -1507,7 +1624,7 @@
   <p:cSld>
     <p:spTree>
       <p:nvGrpSpPr>
-        <p:cNvPr id="116" name="Shape 116"/>
+        <p:cNvPr id="115" name="Shape 115"/>
         <p:cNvGrpSpPr/>
         <p:nvPr/>
       </p:nvGrpSpPr>
@@ -1521,7 +1638,7 @@
       </p:grpSpPr>
       <p:sp>
         <p:nvSpPr>
-          <p:cNvPr id="117" name="Google Shape;117;gd6ca755f7b_0_34:notes"/>
+          <p:cNvPr id="116" name="Google Shape;116;gd6ca755f7b_0_34:notes"/>
           <p:cNvSpPr/>
           <p:nvPr>
             <p:ph idx="2" type="sldImg"/>
@@ -1556,7 +1673,7 @@
       </p:sp>
       <p:sp>
         <p:nvSpPr>
-          <p:cNvPr id="118" name="Google Shape;118;gd6ca755f7b_0_34:notes"/>
+          <p:cNvPr id="117" name="Google Shape;117;gd6ca755f7b_0_34:notes"/>
           <p:cNvSpPr txBox="1"/>
           <p:nvPr>
             <p:ph idx="1" type="body"/>
@@ -1606,7 +1723,7 @@
   <p:cSld>
     <p:spTree>
       <p:nvGrpSpPr>
-        <p:cNvPr id="123" name="Shape 123"/>
+        <p:cNvPr id="122" name="Shape 122"/>
         <p:cNvGrpSpPr/>
         <p:nvPr/>
       </p:nvGrpSpPr>
@@ -1620,7 +1737,7 @@
       </p:grpSpPr>
       <p:sp>
         <p:nvSpPr>
-          <p:cNvPr id="124" name="Google Shape;124;gd82a26a49d_1_306:notes"/>
+          <p:cNvPr id="123" name="Google Shape;123;gd82a26a49d_1_311:notes"/>
           <p:cNvSpPr/>
           <p:nvPr>
             <p:ph idx="2" type="sldImg"/>
@@ -1655,7 +1772,7 @@
       </p:sp>
       <p:sp>
         <p:nvSpPr>
-          <p:cNvPr id="125" name="Google Shape;125;gd82a26a49d_1_306:notes"/>
+          <p:cNvPr id="124" name="Google Shape;124;gd82a26a49d_1_311:notes"/>
           <p:cNvSpPr txBox="1"/>
           <p:nvPr>
             <p:ph idx="1" type="body"/>
@@ -1687,7 +1804,7 @@
             </a:pPr>
             <a:r>
               <a:rPr lang="ja"/>
-              <a:t>質問の先読みコーナー</a:t>
+              <a:t>調査方法:ゲーミフィケーションの効果→SPIの試験を2回受験しその差を検証予定</a:t>
             </a:r>
             <a:endParaRPr/>
           </a:p>
@@ -1702,7 +1819,8 @@
               <a:buNone/>
             </a:pPr>
             <a:r>
-              <a:t/>
+              <a:rPr lang="ja"/>
+              <a:t>経済効果→現在は未定。メインはゲーミフィケーション余力があれば調査予定</a:t>
             </a:r>
             <a:endParaRPr/>
           </a:p>
@@ -7216,7 +7334,7 @@
   <p:cSld>
     <p:spTree>
       <p:nvGrpSpPr>
-        <p:cNvPr id="132" name="Shape 132"/>
+        <p:cNvPr id="131" name="Shape 131"/>
         <p:cNvGrpSpPr/>
         <p:nvPr/>
       </p:nvGrpSpPr>
@@ -7230,7 +7348,241 @@
       </p:grpSpPr>
       <p:sp>
         <p:nvSpPr>
+          <p:cNvPr id="132" name="Google Shape;132;p22"/>
+          <p:cNvSpPr txBox="1"/>
+          <p:nvPr>
+            <p:ph type="title"/>
+          </p:nvPr>
+        </p:nvSpPr>
+        <p:spPr>
+          <a:xfrm>
+            <a:off x="311700" y="329450"/>
+            <a:ext cx="8520600" cy="707400"/>
+          </a:xfrm>
+          <a:prstGeom prst="rect">
+            <a:avLst/>
+          </a:prstGeom>
+        </p:spPr>
+        <p:txBody>
+          <a:bodyPr anchorCtr="0" anchor="t" bIns="91425" lIns="91425" spcFirstLastPara="1" rIns="91425" wrap="square" tIns="91425">
+            <a:noAutofit/>
+          </a:bodyPr>
+          <a:lstStyle/>
+          <a:p>
+            <a:pPr indent="0" lvl="0" marL="0" rtl="0" algn="l">
+              <a:spcBef>
+                <a:spcPts val="0"/>
+              </a:spcBef>
+              <a:spcAft>
+                <a:spcPts val="0"/>
+              </a:spcAft>
+              <a:buSzPts val="990"/>
+              <a:buNone/>
+            </a:pPr>
+            <a:r>
+              <a:rPr lang="ja" sz="4540">
+                <a:latin typeface="MS PGothic"/>
+                <a:ea typeface="MS PGothic"/>
+                <a:cs typeface="MS PGothic"/>
+                <a:sym typeface="MS PGothic"/>
+              </a:rPr>
+              <a:t>Q＆A</a:t>
+            </a:r>
+            <a:endParaRPr sz="4540">
+              <a:latin typeface="MS PGothic"/>
+              <a:ea typeface="MS PGothic"/>
+              <a:cs typeface="MS PGothic"/>
+              <a:sym typeface="MS PGothic"/>
+            </a:endParaRPr>
+          </a:p>
+        </p:txBody>
+      </p:sp>
+      <p:sp>
+        <p:nvSpPr>
           <p:cNvPr id="133" name="Google Shape;133;p22"/>
+          <p:cNvSpPr txBox="1"/>
+          <p:nvPr>
+            <p:ph idx="1" type="body"/>
+          </p:nvPr>
+        </p:nvSpPr>
+        <p:spPr>
+          <a:xfrm>
+            <a:off x="311700" y="1266325"/>
+            <a:ext cx="8520600" cy="3302700"/>
+          </a:xfrm>
+          <a:prstGeom prst="rect">
+            <a:avLst/>
+          </a:prstGeom>
+        </p:spPr>
+        <p:txBody>
+          <a:bodyPr anchorCtr="0" anchor="t" bIns="91425" lIns="91425" spcFirstLastPara="1" rIns="91425" wrap="square" tIns="91425">
+            <a:normAutofit/>
+          </a:bodyPr>
+          <a:lstStyle/>
+          <a:p>
+            <a:pPr indent="0" lvl="0" marL="0" rtl="0" algn="l">
+              <a:spcBef>
+                <a:spcPts val="0"/>
+              </a:spcBef>
+              <a:spcAft>
+                <a:spcPts val="0"/>
+              </a:spcAft>
+              <a:buNone/>
+            </a:pPr>
+            <a:r>
+              <a:rPr lang="ja">
+                <a:solidFill>
+                  <a:srgbClr val="000000"/>
+                </a:solidFill>
+              </a:rPr>
+              <a:t>Q.問題の幅はどうやって広げるの？</a:t>
+            </a:r>
+            <a:endParaRPr>
+              <a:solidFill>
+                <a:srgbClr val="000000"/>
+              </a:solidFill>
+            </a:endParaRPr>
+          </a:p>
+          <a:p>
+            <a:pPr indent="0" lvl="0" marL="0" rtl="0" algn="l">
+              <a:spcBef>
+                <a:spcPts val="1200"/>
+              </a:spcBef>
+              <a:spcAft>
+                <a:spcPts val="0"/>
+              </a:spcAft>
+              <a:buNone/>
+            </a:pPr>
+            <a:r>
+              <a:rPr lang="ja">
+                <a:solidFill>
+                  <a:srgbClr val="000000"/>
+                </a:solidFill>
+              </a:rPr>
+              <a:t>A.基本情報、応用情報以外にも就職に必要な科目など様々なジャンルを用意</a:t>
+            </a:r>
+            <a:endParaRPr>
+              <a:solidFill>
+                <a:srgbClr val="000000"/>
+              </a:solidFill>
+            </a:endParaRPr>
+          </a:p>
+          <a:p>
+            <a:pPr indent="0" lvl="0" marL="0" rtl="0" algn="l">
+              <a:spcBef>
+                <a:spcPts val="1200"/>
+              </a:spcBef>
+              <a:spcAft>
+                <a:spcPts val="0"/>
+              </a:spcAft>
+              <a:buNone/>
+            </a:pPr>
+            <a:r>
+              <a:t/>
+            </a:r>
+            <a:endParaRPr>
+              <a:solidFill>
+                <a:srgbClr val="000000"/>
+              </a:solidFill>
+            </a:endParaRPr>
+          </a:p>
+          <a:p>
+            <a:pPr indent="0" lvl="0" marL="0" rtl="0" algn="l">
+              <a:spcBef>
+                <a:spcPts val="1200"/>
+              </a:spcBef>
+              <a:spcAft>
+                <a:spcPts val="0"/>
+              </a:spcAft>
+              <a:buNone/>
+            </a:pPr>
+            <a:r>
+              <a:rPr lang="ja">
+                <a:solidFill>
+                  <a:srgbClr val="000000"/>
+                </a:solidFill>
+              </a:rPr>
+              <a:t>Q.ゲーム内通貨の集め方は？</a:t>
+            </a:r>
+            <a:endParaRPr>
+              <a:solidFill>
+                <a:srgbClr val="000000"/>
+              </a:solidFill>
+            </a:endParaRPr>
+          </a:p>
+          <a:p>
+            <a:pPr indent="0" lvl="0" marL="0" rtl="0" algn="l">
+              <a:spcBef>
+                <a:spcPts val="1200"/>
+              </a:spcBef>
+              <a:spcAft>
+                <a:spcPts val="0"/>
+              </a:spcAft>
+              <a:buNone/>
+            </a:pPr>
+            <a:r>
+              <a:rPr lang="ja">
+                <a:solidFill>
+                  <a:srgbClr val="000000"/>
+                </a:solidFill>
+              </a:rPr>
+              <a:t>A.スロットと同じ要領で集めます。課金では入手できない形にし法律を回避</a:t>
+            </a:r>
+            <a:endParaRPr>
+              <a:solidFill>
+                <a:srgbClr val="000000"/>
+              </a:solidFill>
+            </a:endParaRPr>
+          </a:p>
+          <a:p>
+            <a:pPr indent="0" lvl="0" marL="0" rtl="0" algn="l">
+              <a:spcBef>
+                <a:spcPts val="1200"/>
+              </a:spcBef>
+              <a:spcAft>
+                <a:spcPts val="1200"/>
+              </a:spcAft>
+              <a:buNone/>
+            </a:pPr>
+            <a:r>
+              <a:t/>
+            </a:r>
+            <a:endParaRPr>
+              <a:solidFill>
+                <a:srgbClr val="000000"/>
+              </a:solidFill>
+            </a:endParaRPr>
+          </a:p>
+        </p:txBody>
+      </p:sp>
+    </p:spTree>
+  </p:cSld>
+  <p:clrMapOvr>
+    <a:masterClrMapping/>
+  </p:clrMapOvr>
+</p:sld>
+</file>
+
+<file path=ppt/slides/slide11.xml><?xml version="1.0" encoding="utf-8"?>
+<p:sld xmlns:a="http://schemas.openxmlformats.org/drawingml/2006/main" xmlns:r="http://schemas.openxmlformats.org/officeDocument/2006/relationships" xmlns:mc="http://schemas.openxmlformats.org/markup-compatibility/2006" xmlns:mv="urn:schemas-microsoft-com:mac:vml" xmlns:p="http://schemas.openxmlformats.org/presentationml/2006/main" xmlns:c="http://schemas.openxmlformats.org/drawingml/2006/chart" xmlns:dgm="http://schemas.openxmlformats.org/drawingml/2006/diagram" xmlns:o="urn:schemas-microsoft-com:office:office" xmlns:v="urn:schemas-microsoft-com:vml" xmlns:pvml="urn:schemas-microsoft-com:office:powerpoint" xmlns:com="http://schemas.openxmlformats.org/drawingml/2006/compatibility" xmlns:p14="http://schemas.microsoft.com/office/powerpoint/2010/main" xmlns:p15="http://schemas.microsoft.com/office/powerpoint/2012/main" xmlns:ahyp="http://schemas.microsoft.com/office/drawing/2018/hyperlinkcolor">
+  <p:cSld>
+    <p:spTree>
+      <p:nvGrpSpPr>
+        <p:cNvPr id="137" name="Shape 137"/>
+        <p:cNvGrpSpPr/>
+        <p:nvPr/>
+      </p:nvGrpSpPr>
+      <p:grpSpPr>
+        <a:xfrm>
+          <a:off x="0" y="0"/>
+          <a:ext cx="0" cy="0"/>
+          <a:chOff x="0" y="0"/>
+          <a:chExt cx="0" cy="0"/>
+        </a:xfrm>
+      </p:grpSpPr>
+      <p:sp>
+        <p:nvSpPr>
+          <p:cNvPr id="138" name="Google Shape;138;p23"/>
           <p:cNvSpPr txBox="1"/>
           <p:nvPr>
             <p:ph type="title"/>
@@ -7271,7 +7623,7 @@
       </p:sp>
       <p:sp>
         <p:nvSpPr>
-          <p:cNvPr id="134" name="Google Shape;134;p22"/>
+          <p:cNvPr id="139" name="Google Shape;139;p23"/>
           <p:cNvSpPr txBox="1"/>
           <p:nvPr>
             <p:ph idx="1" type="body"/>
@@ -7302,14 +7654,26 @@
               <a:buNone/>
             </a:pPr>
             <a:r>
-              <a:rPr lang="ja"/>
+              <a:rPr b="1" lang="ja">
+                <a:solidFill>
+                  <a:srgbClr val="000000"/>
+                </a:solidFill>
+              </a:rPr>
               <a:t>①</a:t>
             </a:r>
             <a:r>
-              <a:rPr lang="ja"/>
+              <a:rPr b="1" lang="ja">
+                <a:solidFill>
+                  <a:srgbClr val="000000"/>
+                </a:solidFill>
+              </a:rPr>
               <a:t>どんなゲーム？</a:t>
             </a:r>
-            <a:endParaRPr/>
+            <a:endParaRPr b="1">
+              <a:solidFill>
+                <a:srgbClr val="000000"/>
+              </a:solidFill>
+            </a:endParaRPr>
           </a:p>
           <a:p>
             <a:pPr indent="0" lvl="0" marL="0" rtl="0" algn="l">
@@ -7322,10 +7686,18 @@
               <a:buNone/>
             </a:pPr>
             <a:r>
-              <a:rPr lang="ja"/>
+              <a:rPr b="1" lang="ja">
+                <a:solidFill>
+                  <a:srgbClr val="000000"/>
+                </a:solidFill>
+              </a:rPr>
               <a:t>A.スロットを楽しみながら勉強ができる！</a:t>
             </a:r>
-            <a:endParaRPr/>
+            <a:endParaRPr b="1">
+              <a:solidFill>
+                <a:srgbClr val="000000"/>
+              </a:solidFill>
+            </a:endParaRPr>
           </a:p>
           <a:p>
             <a:pPr indent="0" lvl="0" marL="0" rtl="0" algn="l">
@@ -7338,10 +7710,18 @@
               <a:buNone/>
             </a:pPr>
             <a:r>
-              <a:rPr lang="ja"/>
+              <a:rPr b="1" lang="ja">
+                <a:solidFill>
+                  <a:srgbClr val="000000"/>
+                </a:solidFill>
+              </a:rPr>
               <a:t>②何が面白い？</a:t>
             </a:r>
-            <a:endParaRPr/>
+            <a:endParaRPr b="1">
+              <a:solidFill>
+                <a:srgbClr val="000000"/>
+              </a:solidFill>
+            </a:endParaRPr>
           </a:p>
           <a:p>
             <a:pPr indent="0" lvl="0" marL="0" rtl="0" algn="l">
@@ -7354,10 +7734,18 @@
               <a:buNone/>
             </a:pPr>
             <a:r>
-              <a:rPr lang="ja"/>
+              <a:rPr b="1" lang="ja">
+                <a:solidFill>
+                  <a:srgbClr val="000000"/>
+                </a:solidFill>
+              </a:rPr>
               <a:t>A.様々な演出が凝らされたボーナスタイムの爽快感</a:t>
             </a:r>
-            <a:endParaRPr/>
+            <a:endParaRPr b="1">
+              <a:solidFill>
+                <a:srgbClr val="000000"/>
+              </a:solidFill>
+            </a:endParaRPr>
           </a:p>
           <a:p>
             <a:pPr indent="0" lvl="0" marL="0" rtl="0" algn="l">
@@ -7370,10 +7758,18 @@
               <a:buNone/>
             </a:pPr>
             <a:r>
-              <a:rPr lang="ja"/>
+              <a:rPr b="1" lang="ja">
+                <a:solidFill>
+                  <a:srgbClr val="000000"/>
+                </a:solidFill>
+              </a:rPr>
               <a:t>③誰が対象か？</a:t>
             </a:r>
-            <a:endParaRPr/>
+            <a:endParaRPr b="1">
+              <a:solidFill>
+                <a:srgbClr val="000000"/>
+              </a:solidFill>
+            </a:endParaRPr>
           </a:p>
           <a:p>
             <a:pPr indent="0" lvl="0" marL="0" rtl="0" algn="l">
@@ -7386,10 +7782,18 @@
               <a:buNone/>
             </a:pPr>
             <a:r>
-              <a:rPr lang="ja"/>
+              <a:rPr b="1" lang="ja">
+                <a:solidFill>
+                  <a:srgbClr val="000000"/>
+                </a:solidFill>
+              </a:rPr>
               <a:t>A.OCS生・スロット好き</a:t>
             </a:r>
-            <a:endParaRPr/>
+            <a:endParaRPr b="1">
+              <a:solidFill>
+                <a:srgbClr val="000000"/>
+              </a:solidFill>
+            </a:endParaRPr>
           </a:p>
           <a:p>
             <a:pPr indent="0" lvl="0" marL="0" rtl="0" algn="l">
@@ -7402,10 +7806,18 @@
               <a:buNone/>
             </a:pPr>
             <a:r>
-              <a:rPr lang="ja"/>
+              <a:rPr b="1" lang="ja">
+                <a:solidFill>
+                  <a:srgbClr val="000000"/>
+                </a:solidFill>
+              </a:rPr>
               <a:t>④他のスロットゲームとの違い</a:t>
             </a:r>
-            <a:endParaRPr/>
+            <a:endParaRPr b="1">
+              <a:solidFill>
+                <a:srgbClr val="000000"/>
+              </a:solidFill>
+            </a:endParaRPr>
           </a:p>
           <a:p>
             <a:pPr indent="0" lvl="0" marL="0" rtl="0" algn="l">
@@ -7418,10 +7830,18 @@
               <a:buNone/>
             </a:pPr>
             <a:r>
-              <a:rPr lang="ja"/>
+              <a:rPr b="1" lang="ja">
+                <a:solidFill>
+                  <a:srgbClr val="000000"/>
+                </a:solidFill>
+              </a:rPr>
               <a:t>A.PCで実機再現・勉強要素が多く、問題に正解すると確変突入</a:t>
             </a:r>
-            <a:endParaRPr/>
+            <a:endParaRPr b="1">
+              <a:solidFill>
+                <a:srgbClr val="000000"/>
+              </a:solidFill>
+            </a:endParaRPr>
           </a:p>
         </p:txBody>
       </p:sp>
@@ -7460,7 +7880,7 @@
         </p:nvSpPr>
         <p:spPr>
           <a:xfrm>
-            <a:off x="311700" y="294775"/>
+            <a:off x="311700" y="110125"/>
             <a:ext cx="8520600" cy="707400"/>
           </a:xfrm>
           <a:prstGeom prst="rect">
@@ -7499,8 +7919,8 @@
         </p:nvSpPr>
         <p:spPr>
           <a:xfrm>
-            <a:off x="311700" y="1290350"/>
-            <a:ext cx="6103200" cy="3301500"/>
+            <a:off x="1089825" y="1002175"/>
+            <a:ext cx="6103200" cy="3832800"/>
           </a:xfrm>
           <a:prstGeom prst="rect">
             <a:avLst/>
@@ -7529,14 +7949,10 @@
               <a:buNone/>
             </a:pPr>
             <a:r>
-              <a:rPr lang="ja" sz="3000"/>
-              <a:t>1.</a:t>
+              <a:rPr b="1" lang="ja" sz="3000"/>
+              <a:t>・基本情報</a:t>
             </a:r>
-            <a:r>
-              <a:rPr lang="ja" sz="3000"/>
-              <a:t>基本情報</a:t>
-            </a:r>
-            <a:endParaRPr sz="3000"/>
+            <a:endParaRPr b="1" sz="3000"/>
           </a:p>
           <a:p>
             <a:pPr indent="0" lvl="0" marL="0" rtl="0" algn="l">
@@ -7552,10 +7968,10 @@
               <a:buNone/>
             </a:pPr>
             <a:r>
-              <a:rPr lang="ja" sz="3000"/>
-              <a:t>2.コンセプト</a:t>
+              <a:rPr b="1" lang="ja" sz="3000"/>
+              <a:t>・コンセプト</a:t>
             </a:r>
-            <a:endParaRPr sz="3000"/>
+            <a:endParaRPr b="1" sz="3000"/>
           </a:p>
           <a:p>
             <a:pPr indent="0" lvl="0" marL="0" rtl="0" algn="l">
@@ -7571,10 +7987,10 @@
               <a:buNone/>
             </a:pPr>
             <a:r>
-              <a:rPr lang="ja" sz="3000"/>
-              <a:t>3.ゲーム概要</a:t>
+              <a:rPr b="1" lang="ja" sz="3000"/>
+              <a:t>・ゲーム概要</a:t>
             </a:r>
-            <a:endParaRPr sz="3000"/>
+            <a:endParaRPr b="1" sz="3000"/>
           </a:p>
           <a:p>
             <a:pPr indent="0" lvl="0" marL="0" rtl="0" algn="l">
@@ -7590,10 +8006,10 @@
               <a:buNone/>
             </a:pPr>
             <a:r>
-              <a:rPr lang="ja" sz="3000"/>
-              <a:t>4.遊び方</a:t>
+              <a:rPr b="1" lang="ja" sz="3000"/>
+              <a:t>・遊び方</a:t>
             </a:r>
-            <a:endParaRPr sz="3000"/>
+            <a:endParaRPr b="1" sz="3000"/>
           </a:p>
           <a:p>
             <a:pPr indent="0" lvl="0" marL="0" rtl="0" algn="l">
@@ -7609,10 +8025,10 @@
               <a:buNone/>
             </a:pPr>
             <a:r>
-              <a:rPr lang="ja" sz="3000"/>
-              <a:t>5.基本操作</a:t>
+              <a:rPr b="1" lang="ja" sz="3000"/>
+              <a:t>・基本操作</a:t>
             </a:r>
-            <a:endParaRPr sz="3000"/>
+            <a:endParaRPr b="1" sz="3000"/>
           </a:p>
           <a:p>
             <a:pPr indent="0" lvl="0" marL="0" rtl="0" algn="l">
@@ -7628,10 +8044,29 @@
               <a:buNone/>
             </a:pPr>
             <a:r>
-              <a:rPr lang="ja" sz="3000"/>
-              <a:t>6.セールスポイント</a:t>
+              <a:rPr b="1" lang="ja" sz="3000"/>
+              <a:t>・セールスポイント</a:t>
             </a:r>
-            <a:endParaRPr sz="3000"/>
+            <a:endParaRPr b="1" sz="3000"/>
+          </a:p>
+          <a:p>
+            <a:pPr indent="0" lvl="0" marL="0" rtl="0" algn="l">
+              <a:lnSpc>
+                <a:spcPct val="115000"/>
+              </a:lnSpc>
+              <a:spcBef>
+                <a:spcPts val="0"/>
+              </a:spcBef>
+              <a:spcAft>
+                <a:spcPts val="0"/>
+              </a:spcAft>
+              <a:buNone/>
+            </a:pPr>
+            <a:r>
+              <a:rPr b="1" lang="ja" sz="3000"/>
+              <a:t>・研究目標</a:t>
+            </a:r>
+            <a:endParaRPr b="1" sz="3000"/>
           </a:p>
         </p:txBody>
       </p:sp>
@@ -7677,9 +8112,9 @@
           <a:solidFill>
             <a:srgbClr val="FFF2CC"/>
           </a:solidFill>
-          <a:ln cap="flat" cmpd="sng" w="9525">
+          <a:ln cap="flat" cmpd="sng" w="28575">
             <a:solidFill>
-              <a:schemeClr val="dk2"/>
+              <a:srgbClr val="000000"/>
             </a:solidFill>
             <a:prstDash val="solid"/>
             <a:round/>
@@ -7786,14 +8221,14 @@
               <a:buNone/>
             </a:pPr>
             <a:r>
-              <a:rPr lang="ja" sz="2800">
+              <a:rPr b="1" lang="ja" sz="2800">
                 <a:solidFill>
                   <a:srgbClr val="000000"/>
                 </a:solidFill>
               </a:rPr>
               <a:t>ジャンル:カジノゲーム×学習</a:t>
             </a:r>
-            <a:endParaRPr sz="2800">
+            <a:endParaRPr b="1" sz="2800">
               <a:solidFill>
                 <a:srgbClr val="000000"/>
               </a:solidFill>
@@ -7813,14 +8248,14 @@
               <a:buNone/>
             </a:pPr>
             <a:r>
-              <a:rPr lang="ja" sz="2800">
+              <a:rPr b="1" lang="ja" sz="2800">
                 <a:solidFill>
                   <a:srgbClr val="000000"/>
                 </a:solidFill>
               </a:rPr>
               <a:t>プレイ人数:1人</a:t>
             </a:r>
-            <a:endParaRPr sz="2800">
+            <a:endParaRPr b="1" sz="2800">
               <a:solidFill>
                 <a:srgbClr val="000000"/>
               </a:solidFill>
@@ -7840,14 +8275,14 @@
               <a:buNone/>
             </a:pPr>
             <a:r>
-              <a:rPr lang="ja" sz="2800">
+              <a:rPr b="1" lang="ja" sz="2800">
                 <a:solidFill>
                   <a:srgbClr val="000000"/>
                 </a:solidFill>
               </a:rPr>
-              <a:t>対応機種:PC</a:t>
+              <a:t>対応機種:PC・スマートフォン</a:t>
             </a:r>
-            <a:endParaRPr sz="2800">
+            <a:endParaRPr b="1" sz="2800">
               <a:solidFill>
                 <a:srgbClr val="000000"/>
               </a:solidFill>
@@ -7867,14 +8302,14 @@
               <a:buNone/>
             </a:pPr>
             <a:r>
-              <a:rPr lang="ja" sz="2800">
+              <a:rPr b="1" lang="ja" sz="2800">
                 <a:solidFill>
                   <a:srgbClr val="000000"/>
                 </a:solidFill>
               </a:rPr>
               <a:t>ターゲット:OCS生・スロットプレイヤー</a:t>
             </a:r>
-            <a:endParaRPr sz="2800">
+            <a:endParaRPr b="1" sz="2800">
               <a:solidFill>
                 <a:srgbClr val="000000"/>
               </a:solidFill>
@@ -8071,47 +8506,6 @@
         </p:nvSpPr>
         <p:spPr>
           <a:xfrm>
-            <a:off x="208375" y="2939150"/>
-            <a:ext cx="3065400" cy="400200"/>
-          </a:xfrm>
-          <a:prstGeom prst="rect">
-            <a:avLst/>
-          </a:prstGeom>
-          <a:noFill/>
-          <a:ln>
-            <a:noFill/>
-          </a:ln>
-        </p:spPr>
-        <p:txBody>
-          <a:bodyPr anchorCtr="0" anchor="t" bIns="91425" lIns="91425" spcFirstLastPara="1" rIns="91425" wrap="square" tIns="91425">
-            <a:spAutoFit/>
-          </a:bodyPr>
-          <a:lstStyle/>
-          <a:p>
-            <a:pPr indent="0" lvl="0" marL="0" rtl="0" algn="l">
-              <a:spcBef>
-                <a:spcPts val="0"/>
-              </a:spcBef>
-              <a:spcAft>
-                <a:spcPts val="0"/>
-              </a:spcAft>
-              <a:buNone/>
-            </a:pPr>
-            <a:r>
-              <a:t/>
-            </a:r>
-            <a:endParaRPr/>
-          </a:p>
-        </p:txBody>
-      </p:sp>
-      <p:sp>
-        <p:nvSpPr>
-          <p:cNvPr id="87" name="Google Shape;87;p16"/>
-          <p:cNvSpPr txBox="1"/>
-          <p:nvPr/>
-        </p:nvSpPr>
-        <p:spPr>
-          <a:xfrm>
             <a:off x="5499400" y="2939150"/>
             <a:ext cx="2778300" cy="400200"/>
           </a:xfrm>
@@ -8147,7 +8541,7 @@
       </p:sp>
       <p:sp>
         <p:nvSpPr>
-          <p:cNvPr id="88" name="Google Shape;88;p16"/>
+          <p:cNvPr id="87" name="Google Shape;87;p16"/>
           <p:cNvSpPr txBox="1"/>
           <p:nvPr/>
         </p:nvSpPr>
@@ -8208,7 +8602,7 @@
   <p:cSld>
     <p:spTree>
       <p:nvGrpSpPr>
-        <p:cNvPr id="92" name="Shape 92"/>
+        <p:cNvPr id="91" name="Shape 91"/>
         <p:cNvGrpSpPr/>
         <p:nvPr/>
       </p:nvGrpSpPr>
@@ -8222,7 +8616,7 @@
       </p:grpSpPr>
       <p:sp>
         <p:nvSpPr>
-          <p:cNvPr id="93" name="Google Shape;93;p17"/>
+          <p:cNvPr id="92" name="Google Shape;92;p17"/>
           <p:cNvSpPr txBox="1"/>
           <p:nvPr>
             <p:ph type="title"/>
@@ -8263,7 +8657,7 @@
       </p:sp>
       <p:sp>
         <p:nvSpPr>
-          <p:cNvPr id="94" name="Google Shape;94;p17"/>
+          <p:cNvPr id="93" name="Google Shape;93;p17"/>
           <p:cNvSpPr txBox="1"/>
           <p:nvPr>
             <p:ph idx="1" type="body"/>
@@ -8271,7 +8665,7 @@
         </p:nvSpPr>
         <p:spPr>
           <a:xfrm>
-            <a:off x="311700" y="1451675"/>
+            <a:off x="103650" y="1634600"/>
             <a:ext cx="8520600" cy="3416400"/>
           </a:xfrm>
           <a:prstGeom prst="rect">
@@ -8346,7 +8740,7 @@
                 <a:spcPts val="1200"/>
               </a:spcBef>
               <a:spcAft>
-                <a:spcPts val="1200"/>
+                <a:spcPts val="0"/>
               </a:spcAft>
               <a:buNone/>
             </a:pPr>
@@ -8357,6 +8751,28 @@
                 </a:solidFill>
               </a:rPr>
               <a:t>・楽しく学べて一挙両得</a:t>
+            </a:r>
+            <a:endParaRPr b="1" sz="2800">
+              <a:solidFill>
+                <a:srgbClr val="000000"/>
+              </a:solidFill>
+            </a:endParaRPr>
+          </a:p>
+          <a:p>
+            <a:pPr indent="0" lvl="0" marL="0" rtl="0" algn="l">
+              <a:lnSpc>
+                <a:spcPct val="150000"/>
+              </a:lnSpc>
+              <a:spcBef>
+                <a:spcPts val="1200"/>
+              </a:spcBef>
+              <a:spcAft>
+                <a:spcPts val="1200"/>
+              </a:spcAft>
+              <a:buNone/>
+            </a:pPr>
+            <a:r>
+              <a:t/>
             </a:r>
             <a:endParaRPr b="1" sz="2800">
               <a:solidFill>
@@ -8379,7 +8795,7 @@
   <p:cSld>
     <p:spTree>
       <p:nvGrpSpPr>
-        <p:cNvPr id="98" name="Shape 98"/>
+        <p:cNvPr id="97" name="Shape 97"/>
         <p:cNvGrpSpPr/>
         <p:nvPr/>
       </p:nvGrpSpPr>
@@ -8393,7 +8809,7 @@
       </p:grpSpPr>
       <p:sp>
         <p:nvSpPr>
-          <p:cNvPr id="99" name="Google Shape;99;p18"/>
+          <p:cNvPr id="98" name="Google Shape;98;p18"/>
           <p:cNvSpPr txBox="1"/>
           <p:nvPr>
             <p:ph idx="1" type="body"/>
@@ -8550,7 +8966,7 @@
       </p:sp>
       <p:sp>
         <p:nvSpPr>
-          <p:cNvPr id="100" name="Google Shape;100;p18"/>
+          <p:cNvPr id="99" name="Google Shape;99;p18"/>
           <p:cNvSpPr txBox="1"/>
           <p:nvPr>
             <p:ph type="title"/>
@@ -8602,7 +9018,7 @@
   <p:cSld>
     <p:spTree>
       <p:nvGrpSpPr>
-        <p:cNvPr id="104" name="Shape 104"/>
+        <p:cNvPr id="103" name="Shape 103"/>
         <p:cNvGrpSpPr/>
         <p:nvPr/>
       </p:nvGrpSpPr>
@@ -8616,7 +9032,7 @@
       </p:grpSpPr>
       <p:sp>
         <p:nvSpPr>
-          <p:cNvPr id="105" name="Google Shape;105;p19"/>
+          <p:cNvPr id="104" name="Google Shape;104;p19"/>
           <p:cNvSpPr txBox="1"/>
           <p:nvPr>
             <p:ph type="title"/>
@@ -8657,7 +9073,7 @@
       </p:sp>
       <p:sp>
         <p:nvSpPr>
-          <p:cNvPr id="106" name="Google Shape;106;p19"/>
+          <p:cNvPr id="105" name="Google Shape;105;p19"/>
           <p:cNvSpPr txBox="1"/>
           <p:nvPr>
             <p:ph idx="1" type="body"/>
@@ -8748,7 +9164,7 @@
       </p:sp>
       <p:pic>
         <p:nvPicPr>
-          <p:cNvPr id="107" name="Google Shape;107;p19"/>
+          <p:cNvPr id="106" name="Google Shape;106;p19"/>
           <p:cNvPicPr preferRelativeResize="0"/>
           <p:nvPr/>
         </p:nvPicPr>
@@ -8776,7 +9192,7 @@
       </p:pic>
       <p:pic>
         <p:nvPicPr>
-          <p:cNvPr id="108" name="Google Shape;108;p19"/>
+          <p:cNvPr id="107" name="Google Shape;107;p19"/>
           <p:cNvPicPr preferRelativeResize="0"/>
           <p:nvPr/>
         </p:nvPicPr>
@@ -8804,7 +9220,7 @@
       </p:pic>
       <p:sp>
         <p:nvSpPr>
-          <p:cNvPr id="109" name="Google Shape;109;p19"/>
+          <p:cNvPr id="108" name="Google Shape;108;p19"/>
           <p:cNvSpPr/>
           <p:nvPr/>
         </p:nvSpPr>
@@ -8857,7 +9273,7 @@
       </p:sp>
       <p:sp>
         <p:nvSpPr>
-          <p:cNvPr id="110" name="Google Shape;110;p19"/>
+          <p:cNvPr id="109" name="Google Shape;109;p19"/>
           <p:cNvSpPr/>
           <p:nvPr/>
         </p:nvSpPr>
@@ -8910,7 +9326,7 @@
       </p:sp>
       <p:sp>
         <p:nvSpPr>
-          <p:cNvPr id="111" name="Google Shape;111;p19"/>
+          <p:cNvPr id="110" name="Google Shape;110;p19"/>
           <p:cNvSpPr/>
           <p:nvPr/>
         </p:nvSpPr>
@@ -8963,7 +9379,7 @@
       </p:sp>
       <p:sp>
         <p:nvSpPr>
-          <p:cNvPr id="112" name="Google Shape;112;p19"/>
+          <p:cNvPr id="111" name="Google Shape;111;p19"/>
           <p:cNvSpPr/>
           <p:nvPr/>
         </p:nvSpPr>
@@ -9016,7 +9432,7 @@
       </p:sp>
       <p:sp>
         <p:nvSpPr>
-          <p:cNvPr id="113" name="Google Shape;113;p19"/>
+          <p:cNvPr id="112" name="Google Shape;112;p19"/>
           <p:cNvSpPr/>
           <p:nvPr/>
         </p:nvSpPr>
@@ -9069,7 +9485,7 @@
       </p:sp>
       <p:sp>
         <p:nvSpPr>
-          <p:cNvPr id="114" name="Google Shape;114;p19"/>
+          <p:cNvPr id="113" name="Google Shape;113;p19"/>
           <p:cNvSpPr/>
           <p:nvPr/>
         </p:nvSpPr>
@@ -9122,13 +9538,13 @@
       </p:sp>
       <p:sp>
         <p:nvSpPr>
-          <p:cNvPr id="115" name="Google Shape;115;p19"/>
+          <p:cNvPr id="114" name="Google Shape;114;p19"/>
           <p:cNvSpPr/>
           <p:nvPr/>
         </p:nvSpPr>
         <p:spPr>
           <a:xfrm>
-            <a:off x="6291800" y="2788975"/>
+            <a:off x="6252225" y="3105500"/>
             <a:ext cx="411900" cy="430800"/>
           </a:xfrm>
           <a:prstGeom prst="ellipse">
@@ -9184,7 +9600,7 @@
   <p:cSld>
     <p:spTree>
       <p:nvGrpSpPr>
-        <p:cNvPr id="119" name="Shape 119"/>
+        <p:cNvPr id="118" name="Shape 118"/>
         <p:cNvGrpSpPr/>
         <p:nvPr/>
       </p:nvGrpSpPr>
@@ -9198,13 +9614,13 @@
       </p:grpSpPr>
       <p:sp>
         <p:nvSpPr>
-          <p:cNvPr id="120" name="Google Shape;120;p20"/>
+          <p:cNvPr id="119" name="Google Shape;119;p20"/>
           <p:cNvSpPr/>
           <p:nvPr/>
         </p:nvSpPr>
         <p:spPr>
           <a:xfrm>
-            <a:off x="311700" y="1266325"/>
+            <a:off x="997500" y="1239950"/>
             <a:ext cx="7363200" cy="3302700"/>
           </a:xfrm>
           <a:prstGeom prst="rect">
@@ -9213,9 +9629,9 @@
           <a:solidFill>
             <a:srgbClr val="FFF2CC"/>
           </a:solidFill>
-          <a:ln cap="flat" cmpd="sng" w="9525">
+          <a:ln cap="flat" cmpd="sng" w="28575">
             <a:solidFill>
-              <a:schemeClr val="dk2"/>
+              <a:srgbClr val="000000"/>
             </a:solidFill>
             <a:prstDash val="solid"/>
             <a:round/>
@@ -9247,7 +9663,7 @@
       </p:sp>
       <p:sp>
         <p:nvSpPr>
-          <p:cNvPr id="121" name="Google Shape;121;p20"/>
+          <p:cNvPr id="120" name="Google Shape;120;p20"/>
           <p:cNvSpPr txBox="1"/>
           <p:nvPr>
             <p:ph type="title"/>
@@ -9288,7 +9704,7 @@
       </p:sp>
       <p:sp>
         <p:nvSpPr>
-          <p:cNvPr id="122" name="Google Shape;122;p20"/>
+          <p:cNvPr id="121" name="Google Shape;121;p20"/>
           <p:cNvSpPr txBox="1"/>
           <p:nvPr>
             <p:ph idx="1" type="body"/>
@@ -9296,7 +9712,7 @@
         </p:nvSpPr>
         <p:spPr>
           <a:xfrm>
-            <a:off x="311700" y="1507950"/>
+            <a:off x="997500" y="1507950"/>
             <a:ext cx="8520600" cy="3302700"/>
           </a:xfrm>
           <a:prstGeom prst="rect">
@@ -9427,7 +9843,7 @@
   <p:cSld>
     <p:spTree>
       <p:nvGrpSpPr>
-        <p:cNvPr id="126" name="Shape 126"/>
+        <p:cNvPr id="125" name="Shape 125"/>
         <p:cNvGrpSpPr/>
         <p:nvPr/>
       </p:nvGrpSpPr>
@@ -9441,7 +9857,7 @@
       </p:grpSpPr>
       <p:sp>
         <p:nvSpPr>
-          <p:cNvPr id="127" name="Google Shape;127;p21"/>
+          <p:cNvPr id="126" name="Google Shape;126;p21"/>
           <p:cNvSpPr txBox="1"/>
           <p:nvPr>
             <p:ph type="title"/>
@@ -9449,7 +9865,7 @@
         </p:nvSpPr>
         <p:spPr>
           <a:xfrm>
-            <a:off x="311700" y="329450"/>
+            <a:off x="311700" y="445025"/>
             <a:ext cx="8520600" cy="707400"/>
           </a:xfrm>
           <a:prstGeom prst="rect">
@@ -9473,26 +9889,16 @@
               <a:buNone/>
             </a:pPr>
             <a:r>
-              <a:rPr lang="ja" sz="4540">
-                <a:latin typeface="MS PGothic"/>
-                <a:ea typeface="MS PGothic"/>
-                <a:cs typeface="MS PGothic"/>
-                <a:sym typeface="MS PGothic"/>
-              </a:rPr>
-              <a:t>Q＆A</a:t>
+              <a:rPr lang="ja" sz="4540"/>
+              <a:t>研究目標</a:t>
             </a:r>
-            <a:endParaRPr sz="4540">
-              <a:latin typeface="MS PGothic"/>
-              <a:ea typeface="MS PGothic"/>
-              <a:cs typeface="MS PGothic"/>
-              <a:sym typeface="MS PGothic"/>
-            </a:endParaRPr>
+            <a:endParaRPr sz="4540"/>
           </a:p>
         </p:txBody>
       </p:sp>
       <p:sp>
         <p:nvSpPr>
-          <p:cNvPr id="128" name="Google Shape;128;p21"/>
+          <p:cNvPr id="127" name="Google Shape;127;p21"/>
           <p:cNvSpPr txBox="1"/>
           <p:nvPr>
             <p:ph idx="1" type="body"/>
@@ -9500,8 +9906,8 @@
         </p:nvSpPr>
         <p:spPr>
           <a:xfrm>
-            <a:off x="311700" y="1266325"/>
-            <a:ext cx="8520600" cy="3302700"/>
+            <a:off x="311700" y="1840800"/>
+            <a:ext cx="8657700" cy="3302700"/>
           </a:xfrm>
           <a:prstGeom prst="rect">
             <a:avLst/>
@@ -9518,14 +9924,66 @@
                 <a:spcPts val="0"/>
               </a:spcBef>
               <a:spcAft>
+                <a:spcPts val="0"/>
+              </a:spcAft>
+              <a:buNone/>
+            </a:pPr>
+            <a:r>
+              <a:rPr b="1" lang="ja" sz="2400">
+                <a:solidFill>
+                  <a:srgbClr val="000000"/>
+                </a:solidFill>
+              </a:rPr>
+              <a:t>★ゲーミフィケーションによる効果の実態について調査する</a:t>
+            </a:r>
+            <a:endParaRPr b="1" sz="2400">
+              <a:solidFill>
+                <a:srgbClr val="000000"/>
+              </a:solidFill>
+            </a:endParaRPr>
+          </a:p>
+          <a:p>
+            <a:pPr indent="0" lvl="0" marL="0" rtl="0" algn="l">
+              <a:spcBef>
                 <a:spcPts val="1200"/>
+              </a:spcBef>
+              <a:spcAft>
+                <a:spcPts val="0"/>
               </a:spcAft>
               <a:buNone/>
             </a:pPr>
             <a:r>
               <a:t/>
             </a:r>
-            <a:endParaRPr/>
+            <a:endParaRPr b="1" sz="2400">
+              <a:solidFill>
+                <a:srgbClr val="000000"/>
+              </a:solidFill>
+            </a:endParaRPr>
+          </a:p>
+          <a:p>
+            <a:pPr indent="0" lvl="0" marL="0" rtl="0" algn="l">
+              <a:spcBef>
+                <a:spcPts val="1200"/>
+              </a:spcBef>
+              <a:spcAft>
+                <a:spcPts val="1200"/>
+              </a:spcAft>
+              <a:buNone/>
+            </a:pPr>
+            <a:r>
+              <a:rPr b="1" lang="ja" sz="2400">
+                <a:solidFill>
+                  <a:srgbClr val="000000"/>
+                </a:solidFill>
+              </a:rPr>
+              <a:t>・新しいタイプのスロットマシンによる経済効果</a:t>
+            </a:r>
+            <a:endParaRPr b="1" sz="2400">
+              <a:solidFill>
+                <a:srgbClr val="000000"/>
+              </a:solidFill>
+            </a:endParaRPr>
           </a:p>
         </p:txBody>
       </p:sp>
@@ -9538,6 +9996,285 @@
 </file>
 
 <file path=ppt/theme/theme1.xml><?xml version="1.0" encoding="utf-8"?>
+<a:theme xmlns:a="http://schemas.openxmlformats.org/drawingml/2006/main" xmlns:r="http://schemas.openxmlformats.org/officeDocument/2006/relationships" name="Tropic">
+  <a:themeElements>
+    <a:clrScheme name="Tropic">
+      <a:dk1>
+        <a:srgbClr val="A1E8D9"/>
+      </a:dk1>
+      <a:lt1>
+        <a:srgbClr val="FFFFFF"/>
+      </a:lt1>
+      <a:dk2>
+        <a:srgbClr val="695D46"/>
+      </a:dk2>
+      <a:lt2>
+        <a:srgbClr val="B3A77D"/>
+      </a:lt2>
+      <a:accent1>
+        <a:srgbClr val="EF6C00"/>
+      </a:accent1>
+      <a:accent2>
+        <a:srgbClr val="CE93D8"/>
+      </a:accent2>
+      <a:accent3>
+        <a:srgbClr val="4DB6AC"/>
+      </a:accent3>
+      <a:accent4>
+        <a:srgbClr val="FF9800"/>
+      </a:accent4>
+      <a:accent5>
+        <a:srgbClr val="009668"/>
+      </a:accent5>
+      <a:accent6>
+        <a:srgbClr val="EEFF41"/>
+      </a:accent6>
+      <a:hlink>
+        <a:srgbClr val="009668"/>
+      </a:hlink>
+      <a:folHlink>
+        <a:srgbClr val="009668"/>
+      </a:folHlink>
+    </a:clrScheme>
+    <a:fontScheme name="Office">
+      <a:majorFont>
+        <a:latin typeface="Arial"/>
+        <a:ea typeface=""/>
+        <a:cs typeface=""/>
+        <a:font script="Jpan" typeface="ＭＳ Ｐゴシック"/>
+        <a:font script="Hang" typeface="맑은 고딕"/>
+        <a:font script="Hans" typeface="宋体"/>
+        <a:font script="Hant" typeface="新細明體"/>
+        <a:font script="Arab" typeface="Times New Roman"/>
+        <a:font script="Hebr" typeface="Times New Roman"/>
+        <a:font script="Thai" typeface="Angsana New"/>
+        <a:font script="Ethi" typeface="Nyala"/>
+        <a:font script="Beng" typeface="Vrinda"/>
+        <a:font script="Gujr" typeface="Shruti"/>
+        <a:font script="Khmr" typeface="MoolBoran"/>
+        <a:font script="Knda" typeface="Tunga"/>
+        <a:font script="Guru" typeface="Raavi"/>
+        <a:font script="Cans" typeface="Euphemia"/>
+        <a:font script="Cher" typeface="Plantagenet Cherokee"/>
+        <a:font script="Yiii" typeface="Microsoft Yi Baiti"/>
+        <a:font script="Tibt" typeface="Microsoft Himalaya"/>
+        <a:font script="Thaa" typeface="MV Boli"/>
+        <a:font script="Deva" typeface="Mangal"/>
+        <a:font script="Telu" typeface="Gautami"/>
+        <a:font script="Taml" typeface="Latha"/>
+        <a:font script="Syrc" typeface="Estrangelo Edessa"/>
+        <a:font script="Orya" typeface="Kalinga"/>
+        <a:font script="Mlym" typeface="Kartika"/>
+        <a:font script="Laoo" typeface="DokChampa"/>
+        <a:font script="Sinh" typeface="Iskoola Pota"/>
+        <a:font script="Mong" typeface="Mongolian Baiti"/>
+        <a:font script="Viet" typeface="Times New Roman"/>
+        <a:font script="Uigh" typeface="Microsoft Uighur"/>
+        <a:font script="Geor" typeface="Sylfaen"/>
+      </a:majorFont>
+      <a:minorFont>
+        <a:latin typeface="Arial"/>
+        <a:ea typeface=""/>
+        <a:cs typeface=""/>
+        <a:font script="Jpan" typeface="ＭＳ Ｐゴシック"/>
+        <a:font script="Hang" typeface="맑은 고딕"/>
+        <a:font script="Hans" typeface="宋体"/>
+        <a:font script="Hant" typeface="新細明體"/>
+        <a:font script="Arab" typeface="Arial"/>
+        <a:font script="Hebr" typeface="Arial"/>
+        <a:font script="Thai" typeface="Cordia New"/>
+        <a:font script="Ethi" typeface="Nyala"/>
+        <a:font script="Beng" typeface="Vrinda"/>
+        <a:font script="Gujr" typeface="Shruti"/>
+        <a:font script="Khmr" typeface="DaunPenh"/>
+        <a:font script="Knda" typeface="Tunga"/>
+        <a:font script="Guru" typeface="Raavi"/>
+        <a:font script="Cans" typeface="Euphemia"/>
+        <a:font script="Cher" typeface="Plantagenet Cherokee"/>
+        <a:font script="Yiii" typeface="Microsoft Yi Baiti"/>
+        <a:font script="Tibt" typeface="Microsoft Himalaya"/>
+        <a:font script="Thaa" typeface="MV Boli"/>
+        <a:font script="Deva" typeface="Mangal"/>
+        <a:font script="Telu" typeface="Gautami"/>
+        <a:font script="Taml" typeface="Latha"/>
+        <a:font script="Syrc" typeface="Estrangelo Edessa"/>
+        <a:font script="Orya" typeface="Kalinga"/>
+        <a:font script="Mlym" typeface="Kartika"/>
+        <a:font script="Laoo" typeface="DokChampa"/>
+        <a:font script="Sinh" typeface="Iskoola Pota"/>
+        <a:font script="Mong" typeface="Mongolian Baiti"/>
+        <a:font script="Viet" typeface="Arial"/>
+        <a:font script="Uigh" typeface="Microsoft Uighur"/>
+        <a:font script="Geor" typeface="Sylfaen"/>
+      </a:minorFont>
+    </a:fontScheme>
+    <a:fmtScheme name="Office">
+      <a:fillStyleLst>
+        <a:solidFill>
+          <a:schemeClr val="phClr"/>
+        </a:solidFill>
+        <a:gradFill rotWithShape="1">
+          <a:gsLst>
+            <a:gs pos="0">
+              <a:schemeClr val="phClr">
+                <a:tint val="50000"/>
+                <a:satMod val="300000"/>
+              </a:schemeClr>
+            </a:gs>
+            <a:gs pos="35000">
+              <a:schemeClr val="phClr">
+                <a:tint val="37000"/>
+                <a:satMod val="300000"/>
+              </a:schemeClr>
+            </a:gs>
+            <a:gs pos="100000">
+              <a:schemeClr val="phClr">
+                <a:tint val="15000"/>
+                <a:satMod val="350000"/>
+              </a:schemeClr>
+            </a:gs>
+          </a:gsLst>
+          <a:lin ang="16200000" scaled="1"/>
+        </a:gradFill>
+        <a:gradFill rotWithShape="1">
+          <a:gsLst>
+            <a:gs pos="0">
+              <a:schemeClr val="phClr">
+                <a:tint val="100000"/>
+                <a:shade val="100000"/>
+                <a:satMod val="130000"/>
+              </a:schemeClr>
+            </a:gs>
+            <a:gs pos="100000">
+              <a:schemeClr val="phClr">
+                <a:tint val="50000"/>
+                <a:shade val="100000"/>
+                <a:satMod val="350000"/>
+              </a:schemeClr>
+            </a:gs>
+          </a:gsLst>
+          <a:lin ang="16200000" scaled="0"/>
+        </a:gradFill>
+      </a:fillStyleLst>
+      <a:lnStyleLst>
+        <a:ln w="9525" cap="flat" cmpd="sng" algn="ctr">
+          <a:solidFill>
+            <a:schemeClr val="phClr">
+              <a:shade val="95000"/>
+              <a:satMod val="105000"/>
+            </a:schemeClr>
+          </a:solidFill>
+          <a:prstDash val="solid"/>
+        </a:ln>
+        <a:ln w="25400" cap="flat" cmpd="sng" algn="ctr">
+          <a:solidFill>
+            <a:schemeClr val="phClr"/>
+          </a:solidFill>
+          <a:prstDash val="solid"/>
+        </a:ln>
+        <a:ln w="38100" cap="flat" cmpd="sng" algn="ctr">
+          <a:solidFill>
+            <a:schemeClr val="phClr"/>
+          </a:solidFill>
+          <a:prstDash val="solid"/>
+        </a:ln>
+      </a:lnStyleLst>
+      <a:effectStyleLst>
+        <a:effectStyle>
+          <a:effectLst>
+            <a:outerShdw blurRad="40000" dist="20000" dir="5400000" rotWithShape="0">
+              <a:srgbClr val="000000">
+                <a:alpha val="38000"/>
+              </a:srgbClr>
+            </a:outerShdw>
+          </a:effectLst>
+        </a:effectStyle>
+        <a:effectStyle>
+          <a:effectLst>
+            <a:outerShdw blurRad="40000" dist="23000" dir="5400000" rotWithShape="0">
+              <a:srgbClr val="000000">
+                <a:alpha val="35000"/>
+              </a:srgbClr>
+            </a:outerShdw>
+          </a:effectLst>
+        </a:effectStyle>
+        <a:effectStyle>
+          <a:effectLst>
+            <a:outerShdw blurRad="40000" dist="23000" dir="5400000" rotWithShape="0">
+              <a:srgbClr val="000000">
+                <a:alpha val="35000"/>
+              </a:srgbClr>
+            </a:outerShdw>
+          </a:effectLst>
+          <a:scene3d>
+            <a:camera prst="orthographicFront">
+              <a:rot lat="0" lon="0" rev="0"/>
+            </a:camera>
+            <a:lightRig rig="threePt" dir="t">
+              <a:rot lat="0" lon="0" rev="1200000"/>
+            </a:lightRig>
+          </a:scene3d>
+          <a:sp3d>
+            <a:bevelT w="63500" h="25400"/>
+          </a:sp3d>
+        </a:effectStyle>
+      </a:effectStyleLst>
+      <a:bgFillStyleLst>
+        <a:solidFill>
+          <a:schemeClr val="phClr"/>
+        </a:solidFill>
+        <a:gradFill rotWithShape="1">
+          <a:gsLst>
+            <a:gs pos="0">
+              <a:schemeClr val="phClr">
+                <a:tint val="40000"/>
+                <a:satMod val="350000"/>
+              </a:schemeClr>
+            </a:gs>
+            <a:gs pos="40000">
+              <a:schemeClr val="phClr">
+                <a:tint val="45000"/>
+                <a:shade val="99000"/>
+                <a:satMod val="350000"/>
+              </a:schemeClr>
+            </a:gs>
+            <a:gs pos="100000">
+              <a:schemeClr val="phClr">
+                <a:shade val="20000"/>
+                <a:satMod val="255000"/>
+              </a:schemeClr>
+            </a:gs>
+          </a:gsLst>
+          <a:path path="circle">
+            <a:fillToRect l="50000" t="-80000" r="50000" b="180000"/>
+          </a:path>
+        </a:gradFill>
+        <a:gradFill rotWithShape="1">
+          <a:gsLst>
+            <a:gs pos="0">
+              <a:schemeClr val="phClr">
+                <a:tint val="80000"/>
+                <a:satMod val="300000"/>
+              </a:schemeClr>
+            </a:gs>
+            <a:gs pos="100000">
+              <a:schemeClr val="phClr">
+                <a:shade val="30000"/>
+                <a:satMod val="200000"/>
+              </a:schemeClr>
+            </a:gs>
+          </a:gsLst>
+          <a:path path="circle">
+            <a:fillToRect l="50000" t="50000" r="50000" b="50000"/>
+          </a:path>
+        </a:gradFill>
+      </a:bgFillStyleLst>
+    </a:fmtScheme>
+  </a:themeElements>
+</a:theme>
+</file>
+
+<file path=ppt/theme/theme2.xml><?xml version="1.0" encoding="utf-8"?>
 <a:theme xmlns:a="http://schemas.openxmlformats.org/drawingml/2006/main" xmlns:r="http://schemas.openxmlformats.org/officeDocument/2006/relationships">
   <a:themeElements>
     <a:clrScheme name="Default">
@@ -9814,283 +10551,4 @@
     </a:fmtScheme>
   </a:themeElements>
 </a:theme>
-</file>
-
-<file path=ppt/theme/theme2.xml><?xml version="1.0" encoding="utf-8"?>
-<a:theme xmlns:a="http://schemas.openxmlformats.org/drawingml/2006/main" xmlns:r="http://schemas.openxmlformats.org/officeDocument/2006/relationships" name="Tropic">
-  <a:themeElements>
-    <a:clrScheme name="Tropic">
-      <a:dk1>
-        <a:srgbClr val="A1E8D9"/>
-      </a:dk1>
-      <a:lt1>
-        <a:srgbClr val="FFFFFF"/>
-      </a:lt1>
-      <a:dk2>
-        <a:srgbClr val="695D46"/>
-      </a:dk2>
-      <a:lt2>
-        <a:srgbClr val="B3A77D"/>
-      </a:lt2>
-      <a:accent1>
-        <a:srgbClr val="EF6C00"/>
-      </a:accent1>
-      <a:accent2>
-        <a:srgbClr val="CE93D8"/>
-      </a:accent2>
-      <a:accent3>
-        <a:srgbClr val="4DB6AC"/>
-      </a:accent3>
-      <a:accent4>
-        <a:srgbClr val="FF9800"/>
-      </a:accent4>
-      <a:accent5>
-        <a:srgbClr val="009668"/>
-      </a:accent5>
-      <a:accent6>
-        <a:srgbClr val="EEFF41"/>
-      </a:accent6>
-      <a:hlink>
-        <a:srgbClr val="009668"/>
-      </a:hlink>
-      <a:folHlink>
-        <a:srgbClr val="009668"/>
-      </a:folHlink>
-    </a:clrScheme>
-    <a:fontScheme name="Office">
-      <a:majorFont>
-        <a:latin typeface="Arial"/>
-        <a:ea typeface=""/>
-        <a:cs typeface=""/>
-        <a:font script="Jpan" typeface="ＭＳ Ｐゴシック"/>
-        <a:font script="Hang" typeface="맑은 고딕"/>
-        <a:font script="Hans" typeface="宋体"/>
-        <a:font script="Hant" typeface="新細明體"/>
-        <a:font script="Arab" typeface="Times New Roman"/>
-        <a:font script="Hebr" typeface="Times New Roman"/>
-        <a:font script="Thai" typeface="Angsana New"/>
-        <a:font script="Ethi" typeface="Nyala"/>
-        <a:font script="Beng" typeface="Vrinda"/>
-        <a:font script="Gujr" typeface="Shruti"/>
-        <a:font script="Khmr" typeface="MoolBoran"/>
-        <a:font script="Knda" typeface="Tunga"/>
-        <a:font script="Guru" typeface="Raavi"/>
-        <a:font script="Cans" typeface="Euphemia"/>
-        <a:font script="Cher" typeface="Plantagenet Cherokee"/>
-        <a:font script="Yiii" typeface="Microsoft Yi Baiti"/>
-        <a:font script="Tibt" typeface="Microsoft Himalaya"/>
-        <a:font script="Thaa" typeface="MV Boli"/>
-        <a:font script="Deva" typeface="Mangal"/>
-        <a:font script="Telu" typeface="Gautami"/>
-        <a:font script="Taml" typeface="Latha"/>
-        <a:font script="Syrc" typeface="Estrangelo Edessa"/>
-        <a:font script="Orya" typeface="Kalinga"/>
-        <a:font script="Mlym" typeface="Kartika"/>
-        <a:font script="Laoo" typeface="DokChampa"/>
-        <a:font script="Sinh" typeface="Iskoola Pota"/>
-        <a:font script="Mong" typeface="Mongolian Baiti"/>
-        <a:font script="Viet" typeface="Times New Roman"/>
-        <a:font script="Uigh" typeface="Microsoft Uighur"/>
-        <a:font script="Geor" typeface="Sylfaen"/>
-      </a:majorFont>
-      <a:minorFont>
-        <a:latin typeface="Arial"/>
-        <a:ea typeface=""/>
-        <a:cs typeface=""/>
-        <a:font script="Jpan" typeface="ＭＳ Ｐゴシック"/>
-        <a:font script="Hang" typeface="맑은 고딕"/>
-        <a:font script="Hans" typeface="宋体"/>
-        <a:font script="Hant" typeface="新細明體"/>
-        <a:font script="Arab" typeface="Arial"/>
-        <a:font script="Hebr" typeface="Arial"/>
-        <a:font script="Thai" typeface="Cordia New"/>
-        <a:font script="Ethi" typeface="Nyala"/>
-        <a:font script="Beng" typeface="Vrinda"/>
-        <a:font script="Gujr" typeface="Shruti"/>
-        <a:font script="Khmr" typeface="DaunPenh"/>
-        <a:font script="Knda" typeface="Tunga"/>
-        <a:font script="Guru" typeface="Raavi"/>
-        <a:font script="Cans" typeface="Euphemia"/>
-        <a:font script="Cher" typeface="Plantagenet Cherokee"/>
-        <a:font script="Yiii" typeface="Microsoft Yi Baiti"/>
-        <a:font script="Tibt" typeface="Microsoft Himalaya"/>
-        <a:font script="Thaa" typeface="MV Boli"/>
-        <a:font script="Deva" typeface="Mangal"/>
-        <a:font script="Telu" typeface="Gautami"/>
-        <a:font script="Taml" typeface="Latha"/>
-        <a:font script="Syrc" typeface="Estrangelo Edessa"/>
-        <a:font script="Orya" typeface="Kalinga"/>
-        <a:font script="Mlym" typeface="Kartika"/>
-        <a:font script="Laoo" typeface="DokChampa"/>
-        <a:font script="Sinh" typeface="Iskoola Pota"/>
-        <a:font script="Mong" typeface="Mongolian Baiti"/>
-        <a:font script="Viet" typeface="Arial"/>
-        <a:font script="Uigh" typeface="Microsoft Uighur"/>
-        <a:font script="Geor" typeface="Sylfaen"/>
-      </a:minorFont>
-    </a:fontScheme>
-    <a:fmtScheme name="Office">
-      <a:fillStyleLst>
-        <a:solidFill>
-          <a:schemeClr val="phClr"/>
-        </a:solidFill>
-        <a:gradFill rotWithShape="1">
-          <a:gsLst>
-            <a:gs pos="0">
-              <a:schemeClr val="phClr">
-                <a:tint val="50000"/>
-                <a:satMod val="300000"/>
-              </a:schemeClr>
-            </a:gs>
-            <a:gs pos="35000">
-              <a:schemeClr val="phClr">
-                <a:tint val="37000"/>
-                <a:satMod val="300000"/>
-              </a:schemeClr>
-            </a:gs>
-            <a:gs pos="100000">
-              <a:schemeClr val="phClr">
-                <a:tint val="15000"/>
-                <a:satMod val="350000"/>
-              </a:schemeClr>
-            </a:gs>
-          </a:gsLst>
-          <a:lin ang="16200000" scaled="1"/>
-        </a:gradFill>
-        <a:gradFill rotWithShape="1">
-          <a:gsLst>
-            <a:gs pos="0">
-              <a:schemeClr val="phClr">
-                <a:tint val="100000"/>
-                <a:shade val="100000"/>
-                <a:satMod val="130000"/>
-              </a:schemeClr>
-            </a:gs>
-            <a:gs pos="100000">
-              <a:schemeClr val="phClr">
-                <a:tint val="50000"/>
-                <a:shade val="100000"/>
-                <a:satMod val="350000"/>
-              </a:schemeClr>
-            </a:gs>
-          </a:gsLst>
-          <a:lin ang="16200000" scaled="0"/>
-        </a:gradFill>
-      </a:fillStyleLst>
-      <a:lnStyleLst>
-        <a:ln w="9525" cap="flat" cmpd="sng" algn="ctr">
-          <a:solidFill>
-            <a:schemeClr val="phClr">
-              <a:shade val="95000"/>
-              <a:satMod val="105000"/>
-            </a:schemeClr>
-          </a:solidFill>
-          <a:prstDash val="solid"/>
-        </a:ln>
-        <a:ln w="25400" cap="flat" cmpd="sng" algn="ctr">
-          <a:solidFill>
-            <a:schemeClr val="phClr"/>
-          </a:solidFill>
-          <a:prstDash val="solid"/>
-        </a:ln>
-        <a:ln w="38100" cap="flat" cmpd="sng" algn="ctr">
-          <a:solidFill>
-            <a:schemeClr val="phClr"/>
-          </a:solidFill>
-          <a:prstDash val="solid"/>
-        </a:ln>
-      </a:lnStyleLst>
-      <a:effectStyleLst>
-        <a:effectStyle>
-          <a:effectLst>
-            <a:outerShdw blurRad="40000" dist="20000" dir="5400000" rotWithShape="0">
-              <a:srgbClr val="000000">
-                <a:alpha val="38000"/>
-              </a:srgbClr>
-            </a:outerShdw>
-          </a:effectLst>
-        </a:effectStyle>
-        <a:effectStyle>
-          <a:effectLst>
-            <a:outerShdw blurRad="40000" dist="23000" dir="5400000" rotWithShape="0">
-              <a:srgbClr val="000000">
-                <a:alpha val="35000"/>
-              </a:srgbClr>
-            </a:outerShdw>
-          </a:effectLst>
-        </a:effectStyle>
-        <a:effectStyle>
-          <a:effectLst>
-            <a:outerShdw blurRad="40000" dist="23000" dir="5400000" rotWithShape="0">
-              <a:srgbClr val="000000">
-                <a:alpha val="35000"/>
-              </a:srgbClr>
-            </a:outerShdw>
-          </a:effectLst>
-          <a:scene3d>
-            <a:camera prst="orthographicFront">
-              <a:rot lat="0" lon="0" rev="0"/>
-            </a:camera>
-            <a:lightRig rig="threePt" dir="t">
-              <a:rot lat="0" lon="0" rev="1200000"/>
-            </a:lightRig>
-          </a:scene3d>
-          <a:sp3d>
-            <a:bevelT w="63500" h="25400"/>
-          </a:sp3d>
-        </a:effectStyle>
-      </a:effectStyleLst>
-      <a:bgFillStyleLst>
-        <a:solidFill>
-          <a:schemeClr val="phClr"/>
-        </a:solidFill>
-        <a:gradFill rotWithShape="1">
-          <a:gsLst>
-            <a:gs pos="0">
-              <a:schemeClr val="phClr">
-                <a:tint val="40000"/>
-                <a:satMod val="350000"/>
-              </a:schemeClr>
-            </a:gs>
-            <a:gs pos="40000">
-              <a:schemeClr val="phClr">
-                <a:tint val="45000"/>
-                <a:shade val="99000"/>
-                <a:satMod val="350000"/>
-              </a:schemeClr>
-            </a:gs>
-            <a:gs pos="100000">
-              <a:schemeClr val="phClr">
-                <a:shade val="20000"/>
-                <a:satMod val="255000"/>
-              </a:schemeClr>
-            </a:gs>
-          </a:gsLst>
-          <a:path path="circle">
-            <a:fillToRect l="50000" t="-80000" r="50000" b="180000"/>
-          </a:path>
-        </a:gradFill>
-        <a:gradFill rotWithShape="1">
-          <a:gsLst>
-            <a:gs pos="0">
-              <a:schemeClr val="phClr">
-                <a:tint val="80000"/>
-                <a:satMod val="300000"/>
-              </a:schemeClr>
-            </a:gs>
-            <a:gs pos="100000">
-              <a:schemeClr val="phClr">
-                <a:shade val="30000"/>
-                <a:satMod val="200000"/>
-              </a:schemeClr>
-            </a:gs>
-          </a:gsLst>
-          <a:path path="circle">
-            <a:fillToRect l="50000" t="50000" r="50000" b="50000"/>
-          </a:path>
-        </a:gradFill>
-      </a:bgFillStyleLst>
-    </a:fmtScheme>
-  </a:themeElements>
-</a:theme>
 </file>